--- a/PPT/第二部分 软件测试技术/3.4  黑盒测试技术 -决策表.pptx
+++ b/PPT/第二部分 软件测试技术/3.4  黑盒测试技术 -决策表.pptx
@@ -19466,11 +19466,7 @@
             </a:pPr>
             <a:r>
               <a:rPr lang="zh-CN" altLang="en-US" sz="2800" b="1" dirty="0"/>
-              <a:t>在</a:t>
-            </a:r>
-            <a:r>
-              <a:rPr lang="zh-CN" altLang="en-US" sz="2800" b="1" dirty="0"/>
-              <a:t>一些数据处理当中，某些操作的实施依赖与多个</a:t>
+              <a:t>在一些数据处理当中，某些操作的实施依赖与多个</a:t>
             </a:r>
             <a:r>
               <a:rPr lang="zh-CN" altLang="en-US" sz="2800" b="1" dirty="0">
@@ -19615,7 +19611,22 @@
               <a:rPr lang="zh-CN" altLang="en-US" sz="2400" b="1" dirty="0">
                 <a:latin typeface="+mn-ea"/>
               </a:rPr>
-              <a:t>列出了问题得所有条件。通常认为列出的条件的次序无关紧要。</a:t>
+              <a:t>列出了问题得</a:t>
+            </a:r>
+            <a:r>
+              <a:rPr lang="zh-CN" altLang="en-US" sz="2400" b="1" dirty="0">
+                <a:solidFill>
+                  <a:srgbClr val="FF0000"/>
+                </a:solidFill>
+                <a:latin typeface="+mn-ea"/>
+              </a:rPr>
+              <a:t>所有条件</a:t>
+            </a:r>
+            <a:r>
+              <a:rPr lang="zh-CN" altLang="en-US" sz="2400" b="1" dirty="0">
+                <a:latin typeface="+mn-ea"/>
+              </a:rPr>
+              <a:t>。通常认为列出的条件的次序无关紧要。</a:t>
             </a:r>
           </a:p>
           <a:p>
@@ -19651,7 +19662,22 @@
               <a:rPr lang="zh-CN" altLang="en-US" sz="2400" b="1" dirty="0">
                 <a:latin typeface="+mn-ea"/>
               </a:rPr>
-              <a:t>列出了问题规定可能采取的操作。这些操作的排列顺序没有约束。</a:t>
+              <a:t>列出了问题规定可能</a:t>
+            </a:r>
+            <a:r>
+              <a:rPr lang="zh-CN" altLang="en-US" sz="2400" b="1" dirty="0">
+                <a:solidFill>
+                  <a:srgbClr val="FF0000"/>
+                </a:solidFill>
+                <a:latin typeface="+mn-ea"/>
+              </a:rPr>
+              <a:t>采取的操作</a:t>
+            </a:r>
+            <a:r>
+              <a:rPr lang="zh-CN" altLang="en-US" sz="2400" b="1" dirty="0">
+                <a:latin typeface="+mn-ea"/>
+              </a:rPr>
+              <a:t>。这些操作的排列顺序没有约束。</a:t>
             </a:r>
           </a:p>
           <a:p>
@@ -19699,7 +19725,22 @@
               <a:rPr lang="zh-CN" altLang="en-US" sz="2400" b="1" dirty="0">
                 <a:latin typeface="+mn-ea"/>
               </a:rPr>
-              <a:t>列出针对它左列条件的取值。在所有可能情况下的真假值。</a:t>
+              <a:t>列出针对它左列条件的</a:t>
+            </a:r>
+            <a:r>
+              <a:rPr lang="zh-CN" altLang="en-US" sz="2400" b="1" dirty="0">
+                <a:solidFill>
+                  <a:srgbClr val="FF0000"/>
+                </a:solidFill>
+                <a:latin typeface="+mn-ea"/>
+              </a:rPr>
+              <a:t>取值</a:t>
+            </a:r>
+            <a:r>
+              <a:rPr lang="zh-CN" altLang="en-US" sz="2400" b="1" dirty="0">
+                <a:latin typeface="+mn-ea"/>
+              </a:rPr>
+              <a:t>。在所有可能情况下的真假值。</a:t>
             </a:r>
           </a:p>
           <a:p>
@@ -19747,7 +19788,22 @@
               <a:rPr lang="zh-CN" altLang="en-US" sz="2400" b="1" dirty="0">
                 <a:latin typeface="+mn-ea"/>
               </a:rPr>
-              <a:t>列出在条件项的各种取值情况下应该采取的动作。</a:t>
+              <a:t>列出在</a:t>
+            </a:r>
+            <a:r>
+              <a:rPr lang="zh-CN" altLang="en-US" sz="2400" b="1" dirty="0">
+                <a:solidFill>
+                  <a:srgbClr val="FF0000"/>
+                </a:solidFill>
+                <a:latin typeface="+mn-ea"/>
+              </a:rPr>
+              <a:t>条件项的各种取值情况下应该采取的动作</a:t>
+            </a:r>
+            <a:r>
+              <a:rPr lang="zh-CN" altLang="en-US" sz="2400" b="1" dirty="0">
+                <a:latin typeface="+mn-ea"/>
+              </a:rPr>
+              <a:t>。</a:t>
             </a:r>
           </a:p>
           <a:p>
@@ -20456,7 +20512,7 @@
         </p:nvSpPr>
         <p:spPr>
           <a:xfrm rot="1404155">
-            <a:off x="2166235" y="2272338"/>
+            <a:off x="2166235" y="2175045"/>
             <a:ext cx="539406" cy="1578699"/>
           </a:xfrm>
           <a:prstGeom prst="curvedRightArrow">
@@ -20662,31 +20718,7 @@
               <a:rPr lang="zh-CN" altLang="en-US" sz="2400" b="1" dirty="0">
                 <a:latin typeface="+mn-ea"/>
               </a:rPr>
-              <a:t>规格说明书以决策表的</a:t>
-            </a:r>
-            <a:r>
-              <a:rPr lang="zh-CN" altLang="en-US" sz="2400" b="1" dirty="0">
-                <a:latin typeface="+mn-ea"/>
-              </a:rPr>
-              <a:t>形式给出，或很容易转化</a:t>
-            </a:r>
-            <a:r>
-              <a:rPr lang="zh-CN" altLang="en-US" sz="2400" b="1" dirty="0">
-                <a:latin typeface="+mn-ea"/>
-              </a:rPr>
-              <a:t>成</a:t>
-            </a:r>
-            <a:r>
-              <a:rPr lang="zh-CN" altLang="en-US" sz="2400" b="1" dirty="0">
-                <a:latin typeface="+mn-ea"/>
-              </a:rPr>
-              <a:t>决策</a:t>
-            </a:r>
-            <a:r>
-              <a:rPr lang="zh-CN" altLang="en-US" sz="2400" b="1" dirty="0">
-                <a:latin typeface="+mn-ea"/>
-              </a:rPr>
-              <a:t>表</a:t>
+              <a:t>规格说明书以决策表的形式给出，或很容易转化成决策表</a:t>
             </a:r>
             <a:endParaRPr lang="en-US" altLang="zh-CN" sz="2400" b="1" dirty="0">
               <a:latin typeface="+mn-ea"/>
@@ -21978,7 +22010,7 @@
   </a:extraClrSchemeLst>
   <a:extLst>
     <a:ext uri="{05A4C25C-085E-4340-85A3-A5531E510DB2}">
-      <thm15:themeFamily xmlns="" xmlns:thm15="http://schemas.microsoft.com/office/thememl/2012/main" name="Office Theme" id="{62F939B6-93AF-4DB8-9C6B-D6C7DFDC589F}" vid="{4A3C46E8-61CC-4603-A589-7422A47A8E4A}"/>
+      <thm15:themeFamily xmlns:thm15="http://schemas.microsoft.com/office/thememl/2012/main" xmlns="" name="Office Theme" id="{62F939B6-93AF-4DB8-9C6B-D6C7DFDC589F}" vid="{4A3C46E8-61CC-4603-A589-7422A47A8E4A}"/>
     </a:ext>
   </a:extLst>
 </a:theme>
@@ -22266,7 +22298,7 @@
   <a:extraClrSchemeLst/>
   <a:extLst>
     <a:ext uri="{05A4C25C-085E-4340-85A3-A5531E510DB2}">
-      <thm15:themeFamily xmlns="" xmlns:thm15="http://schemas.microsoft.com/office/thememl/2012/main" name="Office Theme" id="{62F939B6-93AF-4DB8-9C6B-D6C7DFDC589F}" vid="{4A3C46E8-61CC-4603-A589-7422A47A8E4A}"/>
+      <thm15:themeFamily xmlns:thm15="http://schemas.microsoft.com/office/thememl/2012/main" xmlns="" name="Office Theme" id="{62F939B6-93AF-4DB8-9C6B-D6C7DFDC589F}" vid="{4A3C46E8-61CC-4603-A589-7422A47A8E4A}"/>
     </a:ext>
   </a:extLst>
 </a:theme>
@@ -22554,7 +22586,7 @@
   <a:extraClrSchemeLst/>
   <a:extLst>
     <a:ext uri="{05A4C25C-085E-4340-85A3-A5531E510DB2}">
-      <thm15:themeFamily xmlns="" xmlns:thm15="http://schemas.microsoft.com/office/thememl/2012/main" name="Office Theme" id="{62F939B6-93AF-4DB8-9C6B-D6C7DFDC589F}" vid="{4A3C46E8-61CC-4603-A589-7422A47A8E4A}"/>
+      <thm15:themeFamily xmlns:thm15="http://schemas.microsoft.com/office/thememl/2012/main" xmlns="" name="Office Theme" id="{62F939B6-93AF-4DB8-9C6B-D6C7DFDC589F}" vid="{4A3C46E8-61CC-4603-A589-7422A47A8E4A}"/>
     </a:ext>
   </a:extLst>
 </a:theme>
